--- a/articles/assets/pptx/gallery_bar_03.pptx
+++ b/articles/assets/pptx/gallery_bar_03.pptx
@@ -110,7 +110,7 @@
 </p:presentation>
 </file>
 
-<file path=ppt/charts/chart386916a08f87.xml><?xml version="1.0" encoding="utf-8"?>
+<file path=ppt/charts/chart3b7a4be427d1.xml><?xml version="1.0" encoding="utf-8"?>
 <c:chartSpace xmlns:c="http://schemas.openxmlformats.org/drawingml/2006/chart" xmlns:a="http://schemas.openxmlformats.org/drawingml/2006/main" xmlns:r="http://schemas.openxmlformats.org/officeDocument/2006/relationships">
   <c:date1904 val="0"/>
   <c:lang val="fr-FR"/>

--- a/articles/assets/pptx/gallery_bar_03.pptx
+++ b/articles/assets/pptx/gallery_bar_03.pptx
@@ -110,7 +110,7 @@
 </p:presentation>
 </file>
 
-<file path=ppt/charts/chart3b7a4be427d1.xml><?xml version="1.0" encoding="utf-8"?>
+<file path=ppt/charts/chartfcd168d9b96.xml><?xml version="1.0" encoding="utf-8"?>
 <c:chartSpace xmlns:c="http://schemas.openxmlformats.org/drawingml/2006/chart" xmlns:a="http://schemas.openxmlformats.org/drawingml/2006/main" xmlns:r="http://schemas.openxmlformats.org/officeDocument/2006/relationships">
   <c:date1904 val="0"/>
   <c:lang val="fr-FR"/>
@@ -2684,7 +2684,7 @@
 
 <file path=ppt/slides/slide1.xml><?xml version="1.0" encoding="utf-8"?>
 <p:sld xmlns:a="http://schemas.openxmlformats.org/drawingml/2006/main" xmlns:r="http://schemas.openxmlformats.org/officeDocument/2006/relationships" xmlns:p="http://schemas.openxmlformats.org/presentationml/2006/main">
-  <p:cSld name="Title and Content">
+  <p:cSld>
     <p:spTree>
       <p:nvGrpSpPr>
         <p:cNvPr id="1" name=""/>
@@ -2718,11 +2718,6 @@
         </a:graphic>
       </p:graphicFrame>
     </p:spTree>
-    <p:extLst>
-      <p:ext uri="{BB962C8B-B14F-4D97-AF65-F5344CB8AC3E}">
-        <p14:creationId xmlns:p14="http://schemas.microsoft.com/office/powerpoint/2010/main" val="271576982"/>
-      </p:ext>
-    </p:extLst>
   </p:cSld>
   <p:clrMapOvr>
     <a:masterClrMapping/>

--- a/articles/assets/pptx/gallery_bar_03.pptx
+++ b/articles/assets/pptx/gallery_bar_03.pptx
@@ -110,7 +110,7 @@
 </p:presentation>
 </file>
 
-<file path=ppt/charts/chartfcd168d9b96.xml><?xml version="1.0" encoding="utf-8"?>
+<file path=ppt/charts/chartbd513884795.xml><?xml version="1.0" encoding="utf-8"?>
 <c:chartSpace xmlns:c="http://schemas.openxmlformats.org/drawingml/2006/chart" xmlns:a="http://schemas.openxmlformats.org/drawingml/2006/main" xmlns:r="http://schemas.openxmlformats.org/officeDocument/2006/relationships">
   <c:date1904 val="0"/>
   <c:lang val="fr-FR"/>
@@ -574,6 +574,23 @@
       <c:legendPos val="b"/>
       <c:layout/>
       <c:overlay val="0"/>
+      <c:txPr xmlns:c="http://schemas.openxmlformats.org/drawingml/2006/chart" xmlns:a="http://schemas.openxmlformats.org/drawingml/2006/main">
+        <a:bodyPr/>
+        <a:lstStyle/>
+        <a:p>
+          <a:pPr>
+            <a:defRPr sz="1400">
+              <a:solidFill>
+                <a:srgbClr val="000000">
+                  <a:alpha val="100000"/>
+                </a:srgbClr>
+              </a:solidFill>
+              <a:latin typeface="Arial"/>
+              <a:cs typeface="Arial"/>
+            </a:defRPr>
+          </a:pPr>
+        </a:p>
+      </c:txPr>
     </c:legend>
     <c:plotVisOnly val="1"/>
     <c:dispBlanksAs val="gap"/>

--- a/articles/assets/pptx/gallery_bar_03.pptx
+++ b/articles/assets/pptx/gallery_bar_03.pptx
@@ -110,7 +110,7 @@
 </p:presentation>
 </file>
 
-<file path=ppt/charts/chartbd513884795.xml><?xml version="1.0" encoding="utf-8"?>
+<file path=ppt/charts/chart18452c2c03c9.xml><?xml version="1.0" encoding="utf-8"?>
 <c:chartSpace xmlns:c="http://schemas.openxmlformats.org/drawingml/2006/chart" xmlns:a="http://schemas.openxmlformats.org/drawingml/2006/main" xmlns:r="http://schemas.openxmlformats.org/officeDocument/2006/relationships">
   <c:date1904 val="0"/>
   <c:lang val="fr-FR"/>
@@ -160,6 +160,34 @@
             </a:ln>
           </c:spPr>
           <c:invertIfNegative val="0"/>
+          <c:dLbls>
+            <c:numFmt formatCode="General" sourceLinked="0"/>
+            <c:txPr>
+              <a:bodyPr/>
+              <a:lstStyle/>
+              <a:p>
+                <a:pPr>
+                  <a:defRPr>
+                    <a:solidFill>
+                      <a:srgbClr val="000000">
+                        <a:alpha val="100000"/>
+                      </a:srgbClr>
+                    </a:solidFill>
+                    <a:latin typeface="Arial"/>
+                    <a:cs typeface="Arial"/>
+                  </a:defRPr>
+                </a:pPr>
+              </a:p>
+            </c:txPr>
+            <c:dLblPos val="ctr"/>
+            <c:showLegendKey val="0"/>
+            <c:showVal val="0"/>
+            <c:showCatName val="0"/>
+            <c:showSerName val="0"/>
+            <c:showPercent val="0"/>
+            <c:showBubbleSize val="0"/>
+            <c:separator val=", "/>
+          </c:dLbls>
           <c:cat>
             <c:strRef>
               <c:f>sheet1!$A$2:$A$7</c:f>
@@ -242,6 +270,34 @@
             </a:ln>
           </c:spPr>
           <c:invertIfNegative val="0"/>
+          <c:dLbls>
+            <c:numFmt formatCode="General" sourceLinked="0"/>
+            <c:txPr>
+              <a:bodyPr/>
+              <a:lstStyle/>
+              <a:p>
+                <a:pPr>
+                  <a:defRPr>
+                    <a:solidFill>
+                      <a:srgbClr val="000000">
+                        <a:alpha val="100000"/>
+                      </a:srgbClr>
+                    </a:solidFill>
+                    <a:latin typeface="Arial"/>
+                    <a:cs typeface="Arial"/>
+                  </a:defRPr>
+                </a:pPr>
+              </a:p>
+            </c:txPr>
+            <c:dLblPos val="ctr"/>
+            <c:showLegendKey val="0"/>
+            <c:showVal val="0"/>
+            <c:showCatName val="0"/>
+            <c:showSerName val="0"/>
+            <c:showPercent val="0"/>
+            <c:showBubbleSize val="0"/>
+            <c:separator val=", "/>
+          </c:dLbls>
           <c:cat>
             <c:strRef>
               <c:f>sheet1!$A$2:$A$7</c:f>
@@ -324,6 +380,34 @@
             </a:ln>
           </c:spPr>
           <c:invertIfNegative val="0"/>
+          <c:dLbls>
+            <c:numFmt formatCode="General" sourceLinked="0"/>
+            <c:txPr>
+              <a:bodyPr/>
+              <a:lstStyle/>
+              <a:p>
+                <a:pPr>
+                  <a:defRPr>
+                    <a:solidFill>
+                      <a:srgbClr val="000000">
+                        <a:alpha val="100000"/>
+                      </a:srgbClr>
+                    </a:solidFill>
+                    <a:latin typeface="Arial"/>
+                    <a:cs typeface="Arial"/>
+                  </a:defRPr>
+                </a:pPr>
+              </a:p>
+            </c:txPr>
+            <c:dLblPos val="ctr"/>
+            <c:showLegendKey val="0"/>
+            <c:showVal val="0"/>
+            <c:showCatName val="0"/>
+            <c:showSerName val="0"/>
+            <c:showPercent val="0"/>
+            <c:showBubbleSize val="0"/>
+            <c:separator val=", "/>
+          </c:dLbls>
           <c:cat>
             <c:strRef>
               <c:f>sheet1!$A$2:$A$7</c:f>
@@ -412,14 +496,6 @@
             </a:ln>
           </c:spPr>
         </c:majorGridlines>
-        <c:minorGridlines>
-          <c:spPr>
-            <a:ln algn="ctr" w="0">
-              <a:noFill/>
-              <a:prstDash val="solid"/>
-            </a:ln>
-          </c:spPr>
-        </c:minorGridlines>
         <c:title>
           <c:tx>
             <c:rich>
@@ -500,14 +576,6 @@
             </a:ln>
           </c:spPr>
         </c:majorGridlines>
-        <c:minorGridlines>
-          <c:spPr>
-            <a:ln algn="ctr" w="0">
-              <a:noFill/>
-              <a:prstDash val="solid"/>
-            </a:ln>
-          </c:spPr>
-        </c:minorGridlines>
         <c:title>
           <c:tx>
             <c:rich>
@@ -2718,7 +2786,7 @@
       </p:grpSpPr>
       <p:graphicFrame xmlns:a="http://schemas.openxmlformats.org/drawingml/2006/main" xmlns:r="http://schemas.openxmlformats.org/officeDocument/2006/relationships" xmlns:p="http://schemas.openxmlformats.org/presentationml/2006/main">
         <p:nvGraphicFramePr>
-          <p:cNvPr name="" id="2"/>
+          <p:cNvPr id="2" name=""/>
           <p:cNvGraphicFramePr>
             <a:graphicFrameLocks noGrp="true"/>
           </p:cNvGraphicFramePr>

--- a/articles/assets/pptx/gallery_bar_03.pptx
+++ b/articles/assets/pptx/gallery_bar_03.pptx
@@ -110,7 +110,7 @@
 </p:presentation>
 </file>
 
-<file path=ppt/charts/chart18452c2c03c9.xml><?xml version="1.0" encoding="utf-8"?>
+<file path=ppt/charts/chart170b45a1ff1ac.xml><?xml version="1.0" encoding="utf-8"?>
 <c:chartSpace xmlns:c="http://schemas.openxmlformats.org/drawingml/2006/chart" xmlns:a="http://schemas.openxmlformats.org/drawingml/2006/main" xmlns:r="http://schemas.openxmlformats.org/officeDocument/2006/relationships">
   <c:date1904 val="0"/>
   <c:lang val="fr-FR"/>
@@ -124,7 +124,7 @@
     </mc:Fallback>
   </mc:AlternateContent>
   <c:chart>
-    <c:autoTitleDeleted val="0"/>
+    <c:autoTitleDeleted val="1"/>
     <c:plotArea xmlns:c="http://schemas.openxmlformats.org/drawingml/2006/chart" xmlns:a="http://schemas.openxmlformats.org/drawingml/2006/main" xmlns:r="http://schemas.openxmlformats.org/officeDocument/2006/relationships">
       <c:layout/>
       <c:barChart>
@@ -158,6 +158,7 @@
                 </a:srgbClr>
               </a:solidFill>
             </a:ln>
+            <a:effectLst/>
           </c:spPr>
           <c:invertIfNegative val="0"/>
           <c:dLbls>
@@ -167,7 +168,7 @@
               <a:lstStyle/>
               <a:p>
                 <a:pPr>
-                  <a:defRPr>
+                  <a:defRPr cap="none">
                     <a:solidFill>
                       <a:srgbClr val="000000">
                         <a:alpha val="100000"/>
@@ -268,6 +269,7 @@
                 </a:srgbClr>
               </a:solidFill>
             </a:ln>
+            <a:effectLst/>
           </c:spPr>
           <c:invertIfNegative val="0"/>
           <c:dLbls>
@@ -277,7 +279,7 @@
               <a:lstStyle/>
               <a:p>
                 <a:pPr>
-                  <a:defRPr>
+                  <a:defRPr cap="none">
                     <a:solidFill>
                       <a:srgbClr val="000000">
                         <a:alpha val="100000"/>
@@ -378,6 +380,7 @@
                 </a:srgbClr>
               </a:solidFill>
             </a:ln>
+            <a:effectLst/>
           </c:spPr>
           <c:invertIfNegative val="0"/>
           <c:dLbls>
@@ -387,7 +390,7 @@
               <a:lstStyle/>
               <a:p>
                 <a:pPr>
-                  <a:defRPr>
+                  <a:defRPr cap="none">
                     <a:solidFill>
                       <a:srgbClr val="000000">
                         <a:alpha val="100000"/>
@@ -506,7 +509,7 @@
                   <a:defRPr/>
                 </a:pPr>
                 <a:r>
-                  <a:rPr sz="1600" b="1">
+                  <a:rPr cap="none" sz="1600" b="1">
                     <a:solidFill>
                       <a:srgbClr val="000000">
                         <a:alpha val="100000"/>
@@ -531,7 +534,7 @@
           <a:lstStyle/>
           <a:p>
             <a:pPr>
-              <a:defRPr sz="1000">
+              <a:defRPr cap="none" sz="1000">
                 <a:solidFill>
                   <a:srgbClr val="000000">
                     <a:alpha val="100000"/>
@@ -586,7 +589,7 @@
                   <a:defRPr/>
                 </a:pPr>
                 <a:r>
-                  <a:rPr sz="1600" b="1">
+                  <a:rPr cap="none" sz="1600" b="1">
                     <a:solidFill>
                       <a:srgbClr val="000000">
                         <a:alpha val="100000"/>
@@ -611,7 +614,7 @@
           <a:lstStyle/>
           <a:p>
             <a:pPr>
-              <a:defRPr sz="1000">
+              <a:defRPr cap="none" sz="1000">
                 <a:solidFill>
                   <a:srgbClr val="000000">
                     <a:alpha val="100000"/>
@@ -647,7 +650,7 @@
         <a:lstStyle/>
         <a:p>
           <a:pPr>
-            <a:defRPr sz="1400">
+            <a:defRPr cap="none" sz="1400">
               <a:solidFill>
                 <a:srgbClr val="000000">
                   <a:alpha val="100000"/>
